--- a/PPT FWD TNSDC 2025 (2).pptx
+++ b/PPT FWD TNSDC 2025 (2).pptx
@@ -137,17 +137,17 @@
 </p:presentation>
 </file>
 
-<file path=ppt/commentAuthors1.xml><?xml version="1.0" encoding="utf-8"?>
+<file path=ppt/commentAuthors.xml><?xml version="1.0" encoding="utf-8"?>
 <p:cmAuthorLst xmlns:a="http://schemas.openxmlformats.org/drawingml/2006/main" xmlns:r="http://schemas.openxmlformats.org/officeDocument/2006/relationships" xmlns:mc="http://schemas.openxmlformats.org/markup-compatibility/2006" xmlns:mv="urn:schemas-microsoft-com:mac:vml" xmlns:p="http://schemas.openxmlformats.org/presentationml/2006/main" xmlns:c="http://schemas.openxmlformats.org/drawingml/2006/chart" xmlns:dgm="http://schemas.openxmlformats.org/drawingml/2006/diagram" xmlns:o="urn:schemas-microsoft-com:office:office" xmlns:v="urn:schemas-microsoft-com:vml" xmlns:pvml="urn:schemas-microsoft-com:office:powerpoint" xmlns:com="http://schemas.openxmlformats.org/drawingml/2006/compatibility" xmlns:p14="http://schemas.microsoft.com/office/powerpoint/2010/main" xmlns:p15="http://schemas.microsoft.com/office/powerpoint/2012/main" xmlns:ahyp="http://schemas.microsoft.com/office/drawing/2018/hyperlinkcolor">
-  <p:cmAuthor clrIdx="0" id="0" initials="" lastIdx="2" name="Me"/>
+  <p:cmAuthor clrIdx="0" id="0" initials="" lastIdx="1" name="Me"/>
 </p:cmAuthorLst>
 </file>
 
-<file path=ppt/presProps2.xml><?xml version="1.0" encoding="utf-8"?>
+<file path=ppt/presProps1.xml><?xml version="1.0" encoding="utf-8"?>
 <p:presentationPr xmlns:a="http://schemas.openxmlformats.org/drawingml/2006/main" xmlns:r="http://schemas.openxmlformats.org/officeDocument/2006/relationships" xmlns:mc="http://schemas.openxmlformats.org/markup-compatibility/2006" xmlns:mv="urn:schemas-microsoft-com:mac:vml" xmlns:p="http://schemas.openxmlformats.org/presentationml/2006/main" xmlns:c="http://schemas.openxmlformats.org/drawingml/2006/chart" xmlns:dgm="http://schemas.openxmlformats.org/drawingml/2006/diagram" xmlns:o="urn:schemas-microsoft-com:office:office" xmlns:v="urn:schemas-microsoft-com:vml" xmlns:pvml="urn:schemas-microsoft-com:office:powerpoint" xmlns:com="http://schemas.openxmlformats.org/drawingml/2006/compatibility" xmlns:p14="http://schemas.microsoft.com/office/powerpoint/2010/main" xmlns:p15="http://schemas.microsoft.com/office/powerpoint/2012/main" xmlns:ahyp="http://schemas.microsoft.com/office/drawing/2018/hyperlinkcolor"/>
 </file>
 
-<file path=ppt/viewProps2.xml><?xml version="1.0" encoding="utf-8"?>
+<file path=ppt/viewProps1.xml><?xml version="1.0" encoding="utf-8"?>
 <p:viewPr xmlns:a="http://schemas.openxmlformats.org/drawingml/2006/main" xmlns:r="http://schemas.openxmlformats.org/officeDocument/2006/relationships" xmlns:mc="http://schemas.openxmlformats.org/markup-compatibility/2006" xmlns:mv="urn:schemas-microsoft-com:mac:vml" xmlns:p="http://schemas.openxmlformats.org/presentationml/2006/main" xmlns:c="http://schemas.openxmlformats.org/drawingml/2006/chart" xmlns:dgm="http://schemas.openxmlformats.org/drawingml/2006/diagram" xmlns:o="urn:schemas-microsoft-com:office:office" xmlns:v="urn:schemas-microsoft-com:vml" xmlns:pvml="urn:schemas-microsoft-com:office:powerpoint" xmlns:com="http://schemas.openxmlformats.org/drawingml/2006/compatibility" xmlns:p14="http://schemas.microsoft.com/office/powerpoint/2010/main" xmlns:p15="http://schemas.microsoft.com/office/powerpoint/2012/main" xmlns:ahyp="http://schemas.microsoft.com/office/drawing/2018/hyperlinkcolor" showComments="0">
   <p:slideViewPr>
     <p:cSldViewPr snapToGrid="0">
